--- a/Mappa Argomenti.pptx
+++ b/Mappa Argomenti.pptx
@@ -261,7 +261,7 @@
           <a:p>
             <a:fld id="{23D38193-1602-4473-96D8-358FEB850B2E}" type="datetimeFigureOut">
               <a:rPr lang="en-US" smtClean="0"/>
-              <a:t>6/4/2018</a:t>
+              <a:t>6/20/2018</a:t>
             </a:fld>
             <a:endParaRPr lang="en-US"/>
           </a:p>
@@ -459,7 +459,7 @@
           <a:p>
             <a:fld id="{23D38193-1602-4473-96D8-358FEB850B2E}" type="datetimeFigureOut">
               <a:rPr lang="en-US" smtClean="0"/>
-              <a:t>6/4/2018</a:t>
+              <a:t>6/20/2018</a:t>
             </a:fld>
             <a:endParaRPr lang="en-US"/>
           </a:p>
@@ -667,7 +667,7 @@
           <a:p>
             <a:fld id="{23D38193-1602-4473-96D8-358FEB850B2E}" type="datetimeFigureOut">
               <a:rPr lang="en-US" smtClean="0"/>
-              <a:t>6/4/2018</a:t>
+              <a:t>6/20/2018</a:t>
             </a:fld>
             <a:endParaRPr lang="en-US"/>
           </a:p>
@@ -865,7 +865,7 @@
           <a:p>
             <a:fld id="{23D38193-1602-4473-96D8-358FEB850B2E}" type="datetimeFigureOut">
               <a:rPr lang="en-US" smtClean="0"/>
-              <a:t>6/4/2018</a:t>
+              <a:t>6/20/2018</a:t>
             </a:fld>
             <a:endParaRPr lang="en-US"/>
           </a:p>
@@ -1140,7 +1140,7 @@
           <a:p>
             <a:fld id="{23D38193-1602-4473-96D8-358FEB850B2E}" type="datetimeFigureOut">
               <a:rPr lang="en-US" smtClean="0"/>
-              <a:t>6/4/2018</a:t>
+              <a:t>6/20/2018</a:t>
             </a:fld>
             <a:endParaRPr lang="en-US"/>
           </a:p>
@@ -1405,7 +1405,7 @@
           <a:p>
             <a:fld id="{23D38193-1602-4473-96D8-358FEB850B2E}" type="datetimeFigureOut">
               <a:rPr lang="en-US" smtClean="0"/>
-              <a:t>6/4/2018</a:t>
+              <a:t>6/20/2018</a:t>
             </a:fld>
             <a:endParaRPr lang="en-US"/>
           </a:p>
@@ -1817,7 +1817,7 @@
           <a:p>
             <a:fld id="{23D38193-1602-4473-96D8-358FEB850B2E}" type="datetimeFigureOut">
               <a:rPr lang="en-US" smtClean="0"/>
-              <a:t>6/4/2018</a:t>
+              <a:t>6/20/2018</a:t>
             </a:fld>
             <a:endParaRPr lang="en-US"/>
           </a:p>
@@ -1958,7 +1958,7 @@
           <a:p>
             <a:fld id="{23D38193-1602-4473-96D8-358FEB850B2E}" type="datetimeFigureOut">
               <a:rPr lang="en-US" smtClean="0"/>
-              <a:t>6/4/2018</a:t>
+              <a:t>6/20/2018</a:t>
             </a:fld>
             <a:endParaRPr lang="en-US"/>
           </a:p>
@@ -2071,7 +2071,7 @@
           <a:p>
             <a:fld id="{23D38193-1602-4473-96D8-358FEB850B2E}" type="datetimeFigureOut">
               <a:rPr lang="en-US" smtClean="0"/>
-              <a:t>6/4/2018</a:t>
+              <a:t>6/20/2018</a:t>
             </a:fld>
             <a:endParaRPr lang="en-US"/>
           </a:p>
@@ -2382,7 +2382,7 @@
           <a:p>
             <a:fld id="{23D38193-1602-4473-96D8-358FEB850B2E}" type="datetimeFigureOut">
               <a:rPr lang="en-US" smtClean="0"/>
-              <a:t>6/4/2018</a:t>
+              <a:t>6/20/2018</a:t>
             </a:fld>
             <a:endParaRPr lang="en-US"/>
           </a:p>
@@ -2670,7 +2670,7 @@
           <a:p>
             <a:fld id="{23D38193-1602-4473-96D8-358FEB850B2E}" type="datetimeFigureOut">
               <a:rPr lang="en-US" smtClean="0"/>
-              <a:t>6/4/2018</a:t>
+              <a:t>6/20/2018</a:t>
             </a:fld>
             <a:endParaRPr lang="en-US"/>
           </a:p>
@@ -2943,7 +2943,7 @@
           <a:p>
             <a:fld id="{23D38193-1602-4473-96D8-358FEB850B2E}" type="datetimeFigureOut">
               <a:rPr lang="en-US" smtClean="0"/>
-              <a:t>6/4/2018</a:t>
+              <a:t>6/20/2018</a:t>
             </a:fld>
             <a:endParaRPr lang="en-US"/>
           </a:p>
@@ -6558,8 +6558,8 @@
         </p:nvGrpSpPr>
         <p:grpSpPr>
           <a:xfrm>
-            <a:off x="7528470" y="1417694"/>
-            <a:ext cx="788639" cy="1075417"/>
+            <a:off x="7528470" y="1381978"/>
+            <a:ext cx="814831" cy="1111134"/>
             <a:chOff x="7423151" y="2651124"/>
             <a:chExt cx="2788288" cy="3802211"/>
           </a:xfrm>
@@ -7512,8 +7512,8 @@
         </p:nvGrpSpPr>
         <p:grpSpPr>
           <a:xfrm>
-            <a:off x="10058362" y="2493111"/>
-            <a:ext cx="788640" cy="1075418"/>
+            <a:off x="9707732" y="2528819"/>
+            <a:ext cx="933638" cy="1273142"/>
             <a:chOff x="7423151" y="2651124"/>
             <a:chExt cx="2788288" cy="3802211"/>
           </a:xfrm>
@@ -8438,7 +8438,7 @@
             <a:p>
               <a:pPr lvl="0" algn="ctr"/>
               <a:r>
-                <a:rPr lang="en-US" sz="1100" b="1" dirty="0">
+                <a:rPr lang="en-US" sz="1400" b="1" dirty="0">
                   <a:solidFill>
                     <a:srgbClr val="E84C3D"/>
                   </a:solidFill>
@@ -8447,960 +8447,6 @@
                   <a:cs typeface="Open Sans" panose="020B0606030504020204" pitchFamily="34" charset="0"/>
                 </a:rPr>
                 <a:t>TESI</a:t>
-              </a:r>
-            </a:p>
-          </p:txBody>
-        </p:sp>
-      </p:grpSp>
-      <p:grpSp>
-        <p:nvGrpSpPr>
-          <p:cNvPr id="18" name="Group 17">
-            <a:extLst>
-              <a:ext uri="{FF2B5EF4-FFF2-40B4-BE49-F238E27FC236}">
-                <a16:creationId xmlns:a16="http://schemas.microsoft.com/office/drawing/2014/main" id="{BBB614D5-1FAE-4951-BA47-E2344742DFE4}"/>
-              </a:ext>
-            </a:extLst>
-          </p:cNvPr>
-          <p:cNvGrpSpPr/>
-          <p:nvPr/>
-        </p:nvGrpSpPr>
-        <p:grpSpPr>
-          <a:xfrm>
-            <a:off x="7936872" y="2613876"/>
-            <a:ext cx="1081378" cy="1474606"/>
-            <a:chOff x="7423151" y="2651124"/>
-            <a:chExt cx="2788288" cy="3802211"/>
-          </a:xfrm>
-          <a:effectLst>
-            <a:outerShdw blurRad="127000" dir="13500000" sy="23000" kx="1200000" algn="br" rotWithShape="0">
-              <a:prstClr val="black">
-                <a:alpha val="15000"/>
-              </a:prstClr>
-            </a:outerShdw>
-          </a:effectLst>
-        </p:grpSpPr>
-        <p:sp>
-          <p:nvSpPr>
-            <p:cNvPr id="19" name="Freeform 1004">
-              <a:extLst>
-                <a:ext uri="{FF2B5EF4-FFF2-40B4-BE49-F238E27FC236}">
-                  <a16:creationId xmlns:a16="http://schemas.microsoft.com/office/drawing/2014/main" id="{64E01FFA-CAB5-42CE-B892-042AF43874E7}"/>
-                </a:ext>
-              </a:extLst>
-            </p:cNvPr>
-            <p:cNvSpPr>
-              <a:spLocks/>
-            </p:cNvSpPr>
-            <p:nvPr/>
-          </p:nvSpPr>
-          <p:spPr bwMode="auto">
-            <a:xfrm>
-              <a:off x="7423151" y="2651124"/>
-              <a:ext cx="2788288" cy="3802211"/>
-            </a:xfrm>
-            <a:custGeom>
-              <a:avLst/>
-              <a:gdLst>
-                <a:gd name="T0" fmla="*/ 703 w 1407"/>
-                <a:gd name="T1" fmla="*/ 1921 h 1921"/>
-                <a:gd name="T2" fmla="*/ 680 w 1407"/>
-                <a:gd name="T3" fmla="*/ 1909 h 1921"/>
-                <a:gd name="T4" fmla="*/ 630 w 1407"/>
-                <a:gd name="T5" fmla="*/ 1879 h 1921"/>
-                <a:gd name="T6" fmla="*/ 548 w 1407"/>
-                <a:gd name="T7" fmla="*/ 1817 h 1921"/>
-                <a:gd name="T8" fmla="*/ 431 w 1407"/>
-                <a:gd name="T9" fmla="*/ 1703 h 1921"/>
-                <a:gd name="T10" fmla="*/ 315 w 1407"/>
-                <a:gd name="T11" fmla="*/ 1562 h 1921"/>
-                <a:gd name="T12" fmla="*/ 206 w 1407"/>
-                <a:gd name="T13" fmla="*/ 1396 h 1921"/>
-                <a:gd name="T14" fmla="*/ 134 w 1407"/>
-                <a:gd name="T15" fmla="*/ 1260 h 1921"/>
-                <a:gd name="T16" fmla="*/ 93 w 1407"/>
-                <a:gd name="T17" fmla="*/ 1164 h 1921"/>
-                <a:gd name="T18" fmla="*/ 58 w 1407"/>
-                <a:gd name="T19" fmla="*/ 1065 h 1921"/>
-                <a:gd name="T20" fmla="*/ 31 w 1407"/>
-                <a:gd name="T21" fmla="*/ 964 h 1921"/>
-                <a:gd name="T22" fmla="*/ 11 w 1407"/>
-                <a:gd name="T23" fmla="*/ 860 h 1921"/>
-                <a:gd name="T24" fmla="*/ 1 w 1407"/>
-                <a:gd name="T25" fmla="*/ 757 h 1921"/>
-                <a:gd name="T26" fmla="*/ 0 w 1407"/>
-                <a:gd name="T27" fmla="*/ 704 h 1921"/>
-                <a:gd name="T28" fmla="*/ 0 w 1407"/>
-                <a:gd name="T29" fmla="*/ 667 h 1921"/>
-                <a:gd name="T30" fmla="*/ 7 w 1407"/>
-                <a:gd name="T31" fmla="*/ 597 h 1921"/>
-                <a:gd name="T32" fmla="*/ 22 w 1407"/>
-                <a:gd name="T33" fmla="*/ 529 h 1921"/>
-                <a:gd name="T34" fmla="*/ 42 w 1407"/>
-                <a:gd name="T35" fmla="*/ 461 h 1921"/>
-                <a:gd name="T36" fmla="*/ 68 w 1407"/>
-                <a:gd name="T37" fmla="*/ 399 h 1921"/>
-                <a:gd name="T38" fmla="*/ 101 w 1407"/>
-                <a:gd name="T39" fmla="*/ 339 h 1921"/>
-                <a:gd name="T40" fmla="*/ 140 w 1407"/>
-                <a:gd name="T41" fmla="*/ 282 h 1921"/>
-                <a:gd name="T42" fmla="*/ 182 w 1407"/>
-                <a:gd name="T43" fmla="*/ 230 h 1921"/>
-                <a:gd name="T44" fmla="*/ 230 w 1407"/>
-                <a:gd name="T45" fmla="*/ 183 h 1921"/>
-                <a:gd name="T46" fmla="*/ 282 w 1407"/>
-                <a:gd name="T47" fmla="*/ 140 h 1921"/>
-                <a:gd name="T48" fmla="*/ 338 w 1407"/>
-                <a:gd name="T49" fmla="*/ 102 h 1921"/>
-                <a:gd name="T50" fmla="*/ 399 w 1407"/>
-                <a:gd name="T51" fmla="*/ 70 h 1921"/>
-                <a:gd name="T52" fmla="*/ 461 w 1407"/>
-                <a:gd name="T53" fmla="*/ 43 h 1921"/>
-                <a:gd name="T54" fmla="*/ 527 w 1407"/>
-                <a:gd name="T55" fmla="*/ 22 h 1921"/>
-                <a:gd name="T56" fmla="*/ 596 w 1407"/>
-                <a:gd name="T57" fmla="*/ 8 h 1921"/>
-                <a:gd name="T58" fmla="*/ 667 w 1407"/>
-                <a:gd name="T59" fmla="*/ 1 h 1921"/>
-                <a:gd name="T60" fmla="*/ 703 w 1407"/>
-                <a:gd name="T61" fmla="*/ 0 h 1921"/>
-                <a:gd name="T62" fmla="*/ 740 w 1407"/>
-                <a:gd name="T63" fmla="*/ 1 h 1921"/>
-                <a:gd name="T64" fmla="*/ 811 w 1407"/>
-                <a:gd name="T65" fmla="*/ 8 h 1921"/>
-                <a:gd name="T66" fmla="*/ 880 w 1407"/>
-                <a:gd name="T67" fmla="*/ 22 h 1921"/>
-                <a:gd name="T68" fmla="*/ 946 w 1407"/>
-                <a:gd name="T69" fmla="*/ 43 h 1921"/>
-                <a:gd name="T70" fmla="*/ 1009 w 1407"/>
-                <a:gd name="T71" fmla="*/ 70 h 1921"/>
-                <a:gd name="T72" fmla="*/ 1069 w 1407"/>
-                <a:gd name="T73" fmla="*/ 102 h 1921"/>
-                <a:gd name="T74" fmla="*/ 1125 w 1407"/>
-                <a:gd name="T75" fmla="*/ 140 h 1921"/>
-                <a:gd name="T76" fmla="*/ 1177 w 1407"/>
-                <a:gd name="T77" fmla="*/ 183 h 1921"/>
-                <a:gd name="T78" fmla="*/ 1225 w 1407"/>
-                <a:gd name="T79" fmla="*/ 230 h 1921"/>
-                <a:gd name="T80" fmla="*/ 1267 w 1407"/>
-                <a:gd name="T81" fmla="*/ 282 h 1921"/>
-                <a:gd name="T82" fmla="*/ 1306 w 1407"/>
-                <a:gd name="T83" fmla="*/ 339 h 1921"/>
-                <a:gd name="T84" fmla="*/ 1339 w 1407"/>
-                <a:gd name="T85" fmla="*/ 399 h 1921"/>
-                <a:gd name="T86" fmla="*/ 1365 w 1407"/>
-                <a:gd name="T87" fmla="*/ 461 h 1921"/>
-                <a:gd name="T88" fmla="*/ 1385 w 1407"/>
-                <a:gd name="T89" fmla="*/ 529 h 1921"/>
-                <a:gd name="T90" fmla="*/ 1400 w 1407"/>
-                <a:gd name="T91" fmla="*/ 597 h 1921"/>
-                <a:gd name="T92" fmla="*/ 1407 w 1407"/>
-                <a:gd name="T93" fmla="*/ 667 h 1921"/>
-                <a:gd name="T94" fmla="*/ 1407 w 1407"/>
-                <a:gd name="T95" fmla="*/ 704 h 1921"/>
-                <a:gd name="T96" fmla="*/ 1407 w 1407"/>
-                <a:gd name="T97" fmla="*/ 757 h 1921"/>
-                <a:gd name="T98" fmla="*/ 1397 w 1407"/>
-                <a:gd name="T99" fmla="*/ 860 h 1921"/>
-                <a:gd name="T100" fmla="*/ 1378 w 1407"/>
-                <a:gd name="T101" fmla="*/ 964 h 1921"/>
-                <a:gd name="T102" fmla="*/ 1349 w 1407"/>
-                <a:gd name="T103" fmla="*/ 1065 h 1921"/>
-                <a:gd name="T104" fmla="*/ 1314 w 1407"/>
-                <a:gd name="T105" fmla="*/ 1164 h 1921"/>
-                <a:gd name="T106" fmla="*/ 1273 w 1407"/>
-                <a:gd name="T107" fmla="*/ 1260 h 1921"/>
-                <a:gd name="T108" fmla="*/ 1201 w 1407"/>
-                <a:gd name="T109" fmla="*/ 1396 h 1921"/>
-                <a:gd name="T110" fmla="*/ 1092 w 1407"/>
-                <a:gd name="T111" fmla="*/ 1562 h 1921"/>
-                <a:gd name="T112" fmla="*/ 976 w 1407"/>
-                <a:gd name="T113" fmla="*/ 1703 h 1921"/>
-                <a:gd name="T114" fmla="*/ 859 w 1407"/>
-                <a:gd name="T115" fmla="*/ 1817 h 1921"/>
-                <a:gd name="T116" fmla="*/ 777 w 1407"/>
-                <a:gd name="T117" fmla="*/ 1879 h 1921"/>
-                <a:gd name="T118" fmla="*/ 727 w 1407"/>
-                <a:gd name="T119" fmla="*/ 1909 h 1921"/>
-                <a:gd name="T120" fmla="*/ 703 w 1407"/>
-                <a:gd name="T121" fmla="*/ 1921 h 1921"/>
-              </a:gdLst>
-              <a:ahLst/>
-              <a:cxnLst>
-                <a:cxn ang="0">
-                  <a:pos x="T0" y="T1"/>
-                </a:cxn>
-                <a:cxn ang="0">
-                  <a:pos x="T2" y="T3"/>
-                </a:cxn>
-                <a:cxn ang="0">
-                  <a:pos x="T4" y="T5"/>
-                </a:cxn>
-                <a:cxn ang="0">
-                  <a:pos x="T6" y="T7"/>
-                </a:cxn>
-                <a:cxn ang="0">
-                  <a:pos x="T8" y="T9"/>
-                </a:cxn>
-                <a:cxn ang="0">
-                  <a:pos x="T10" y="T11"/>
-                </a:cxn>
-                <a:cxn ang="0">
-                  <a:pos x="T12" y="T13"/>
-                </a:cxn>
-                <a:cxn ang="0">
-                  <a:pos x="T14" y="T15"/>
-                </a:cxn>
-                <a:cxn ang="0">
-                  <a:pos x="T16" y="T17"/>
-                </a:cxn>
-                <a:cxn ang="0">
-                  <a:pos x="T18" y="T19"/>
-                </a:cxn>
-                <a:cxn ang="0">
-                  <a:pos x="T20" y="T21"/>
-                </a:cxn>
-                <a:cxn ang="0">
-                  <a:pos x="T22" y="T23"/>
-                </a:cxn>
-                <a:cxn ang="0">
-                  <a:pos x="T24" y="T25"/>
-                </a:cxn>
-                <a:cxn ang="0">
-                  <a:pos x="T26" y="T27"/>
-                </a:cxn>
-                <a:cxn ang="0">
-                  <a:pos x="T28" y="T29"/>
-                </a:cxn>
-                <a:cxn ang="0">
-                  <a:pos x="T30" y="T31"/>
-                </a:cxn>
-                <a:cxn ang="0">
-                  <a:pos x="T32" y="T33"/>
-                </a:cxn>
-                <a:cxn ang="0">
-                  <a:pos x="T34" y="T35"/>
-                </a:cxn>
-                <a:cxn ang="0">
-                  <a:pos x="T36" y="T37"/>
-                </a:cxn>
-                <a:cxn ang="0">
-                  <a:pos x="T38" y="T39"/>
-                </a:cxn>
-                <a:cxn ang="0">
-                  <a:pos x="T40" y="T41"/>
-                </a:cxn>
-                <a:cxn ang="0">
-                  <a:pos x="T42" y="T43"/>
-                </a:cxn>
-                <a:cxn ang="0">
-                  <a:pos x="T44" y="T45"/>
-                </a:cxn>
-                <a:cxn ang="0">
-                  <a:pos x="T46" y="T47"/>
-                </a:cxn>
-                <a:cxn ang="0">
-                  <a:pos x="T48" y="T49"/>
-                </a:cxn>
-                <a:cxn ang="0">
-                  <a:pos x="T50" y="T51"/>
-                </a:cxn>
-                <a:cxn ang="0">
-                  <a:pos x="T52" y="T53"/>
-                </a:cxn>
-                <a:cxn ang="0">
-                  <a:pos x="T54" y="T55"/>
-                </a:cxn>
-                <a:cxn ang="0">
-                  <a:pos x="T56" y="T57"/>
-                </a:cxn>
-                <a:cxn ang="0">
-                  <a:pos x="T58" y="T59"/>
-                </a:cxn>
-                <a:cxn ang="0">
-                  <a:pos x="T60" y="T61"/>
-                </a:cxn>
-                <a:cxn ang="0">
-                  <a:pos x="T62" y="T63"/>
-                </a:cxn>
-                <a:cxn ang="0">
-                  <a:pos x="T64" y="T65"/>
-                </a:cxn>
-                <a:cxn ang="0">
-                  <a:pos x="T66" y="T67"/>
-                </a:cxn>
-                <a:cxn ang="0">
-                  <a:pos x="T68" y="T69"/>
-                </a:cxn>
-                <a:cxn ang="0">
-                  <a:pos x="T70" y="T71"/>
-                </a:cxn>
-                <a:cxn ang="0">
-                  <a:pos x="T72" y="T73"/>
-                </a:cxn>
-                <a:cxn ang="0">
-                  <a:pos x="T74" y="T75"/>
-                </a:cxn>
-                <a:cxn ang="0">
-                  <a:pos x="T76" y="T77"/>
-                </a:cxn>
-                <a:cxn ang="0">
-                  <a:pos x="T78" y="T79"/>
-                </a:cxn>
-                <a:cxn ang="0">
-                  <a:pos x="T80" y="T81"/>
-                </a:cxn>
-                <a:cxn ang="0">
-                  <a:pos x="T82" y="T83"/>
-                </a:cxn>
-                <a:cxn ang="0">
-                  <a:pos x="T84" y="T85"/>
-                </a:cxn>
-                <a:cxn ang="0">
-                  <a:pos x="T86" y="T87"/>
-                </a:cxn>
-                <a:cxn ang="0">
-                  <a:pos x="T88" y="T89"/>
-                </a:cxn>
-                <a:cxn ang="0">
-                  <a:pos x="T90" y="T91"/>
-                </a:cxn>
-                <a:cxn ang="0">
-                  <a:pos x="T92" y="T93"/>
-                </a:cxn>
-                <a:cxn ang="0">
-                  <a:pos x="T94" y="T95"/>
-                </a:cxn>
-                <a:cxn ang="0">
-                  <a:pos x="T96" y="T97"/>
-                </a:cxn>
-                <a:cxn ang="0">
-                  <a:pos x="T98" y="T99"/>
-                </a:cxn>
-                <a:cxn ang="0">
-                  <a:pos x="T100" y="T101"/>
-                </a:cxn>
-                <a:cxn ang="0">
-                  <a:pos x="T102" y="T103"/>
-                </a:cxn>
-                <a:cxn ang="0">
-                  <a:pos x="T104" y="T105"/>
-                </a:cxn>
-                <a:cxn ang="0">
-                  <a:pos x="T106" y="T107"/>
-                </a:cxn>
-                <a:cxn ang="0">
-                  <a:pos x="T108" y="T109"/>
-                </a:cxn>
-                <a:cxn ang="0">
-                  <a:pos x="T110" y="T111"/>
-                </a:cxn>
-                <a:cxn ang="0">
-                  <a:pos x="T112" y="T113"/>
-                </a:cxn>
-                <a:cxn ang="0">
-                  <a:pos x="T114" y="T115"/>
-                </a:cxn>
-                <a:cxn ang="0">
-                  <a:pos x="T116" y="T117"/>
-                </a:cxn>
-                <a:cxn ang="0">
-                  <a:pos x="T118" y="T119"/>
-                </a:cxn>
-                <a:cxn ang="0">
-                  <a:pos x="T120" y="T121"/>
-                </a:cxn>
-              </a:cxnLst>
-              <a:rect l="0" t="0" r="r" b="b"/>
-              <a:pathLst>
-                <a:path w="1407" h="1921">
-                  <a:moveTo>
-                    <a:pt x="703" y="1921"/>
-                  </a:moveTo>
-                  <a:lnTo>
-                    <a:pt x="680" y="1909"/>
-                  </a:lnTo>
-                  <a:lnTo>
-                    <a:pt x="630" y="1879"/>
-                  </a:lnTo>
-                  <a:lnTo>
-                    <a:pt x="548" y="1817"/>
-                  </a:lnTo>
-                  <a:lnTo>
-                    <a:pt x="431" y="1703"/>
-                  </a:lnTo>
-                  <a:lnTo>
-                    <a:pt x="315" y="1562"/>
-                  </a:lnTo>
-                  <a:lnTo>
-                    <a:pt x="206" y="1396"/>
-                  </a:lnTo>
-                  <a:lnTo>
-                    <a:pt x="134" y="1260"/>
-                  </a:lnTo>
-                  <a:lnTo>
-                    <a:pt x="93" y="1164"/>
-                  </a:lnTo>
-                  <a:lnTo>
-                    <a:pt x="58" y="1065"/>
-                  </a:lnTo>
-                  <a:lnTo>
-                    <a:pt x="31" y="964"/>
-                  </a:lnTo>
-                  <a:lnTo>
-                    <a:pt x="11" y="860"/>
-                  </a:lnTo>
-                  <a:lnTo>
-                    <a:pt x="1" y="757"/>
-                  </a:lnTo>
-                  <a:lnTo>
-                    <a:pt x="0" y="704"/>
-                  </a:lnTo>
-                  <a:lnTo>
-                    <a:pt x="0" y="667"/>
-                  </a:lnTo>
-                  <a:lnTo>
-                    <a:pt x="7" y="597"/>
-                  </a:lnTo>
-                  <a:lnTo>
-                    <a:pt x="22" y="529"/>
-                  </a:lnTo>
-                  <a:lnTo>
-                    <a:pt x="42" y="461"/>
-                  </a:lnTo>
-                  <a:lnTo>
-                    <a:pt x="68" y="399"/>
-                  </a:lnTo>
-                  <a:lnTo>
-                    <a:pt x="101" y="339"/>
-                  </a:lnTo>
-                  <a:lnTo>
-                    <a:pt x="140" y="282"/>
-                  </a:lnTo>
-                  <a:lnTo>
-                    <a:pt x="182" y="230"/>
-                  </a:lnTo>
-                  <a:lnTo>
-                    <a:pt x="230" y="183"/>
-                  </a:lnTo>
-                  <a:lnTo>
-                    <a:pt x="282" y="140"/>
-                  </a:lnTo>
-                  <a:lnTo>
-                    <a:pt x="338" y="102"/>
-                  </a:lnTo>
-                  <a:lnTo>
-                    <a:pt x="399" y="70"/>
-                  </a:lnTo>
-                  <a:lnTo>
-                    <a:pt x="461" y="43"/>
-                  </a:lnTo>
-                  <a:lnTo>
-                    <a:pt x="527" y="22"/>
-                  </a:lnTo>
-                  <a:lnTo>
-                    <a:pt x="596" y="8"/>
-                  </a:lnTo>
-                  <a:lnTo>
-                    <a:pt x="667" y="1"/>
-                  </a:lnTo>
-                  <a:lnTo>
-                    <a:pt x="703" y="0"/>
-                  </a:lnTo>
-                  <a:lnTo>
-                    <a:pt x="740" y="1"/>
-                  </a:lnTo>
-                  <a:lnTo>
-                    <a:pt x="811" y="8"/>
-                  </a:lnTo>
-                  <a:lnTo>
-                    <a:pt x="880" y="22"/>
-                  </a:lnTo>
-                  <a:lnTo>
-                    <a:pt x="946" y="43"/>
-                  </a:lnTo>
-                  <a:lnTo>
-                    <a:pt x="1009" y="70"/>
-                  </a:lnTo>
-                  <a:lnTo>
-                    <a:pt x="1069" y="102"/>
-                  </a:lnTo>
-                  <a:lnTo>
-                    <a:pt x="1125" y="140"/>
-                  </a:lnTo>
-                  <a:lnTo>
-                    <a:pt x="1177" y="183"/>
-                  </a:lnTo>
-                  <a:lnTo>
-                    <a:pt x="1225" y="230"/>
-                  </a:lnTo>
-                  <a:lnTo>
-                    <a:pt x="1267" y="282"/>
-                  </a:lnTo>
-                  <a:lnTo>
-                    <a:pt x="1306" y="339"/>
-                  </a:lnTo>
-                  <a:lnTo>
-                    <a:pt x="1339" y="399"/>
-                  </a:lnTo>
-                  <a:lnTo>
-                    <a:pt x="1365" y="461"/>
-                  </a:lnTo>
-                  <a:lnTo>
-                    <a:pt x="1385" y="529"/>
-                  </a:lnTo>
-                  <a:lnTo>
-                    <a:pt x="1400" y="597"/>
-                  </a:lnTo>
-                  <a:lnTo>
-                    <a:pt x="1407" y="667"/>
-                  </a:lnTo>
-                  <a:lnTo>
-                    <a:pt x="1407" y="704"/>
-                  </a:lnTo>
-                  <a:lnTo>
-                    <a:pt x="1407" y="757"/>
-                  </a:lnTo>
-                  <a:lnTo>
-                    <a:pt x="1397" y="860"/>
-                  </a:lnTo>
-                  <a:lnTo>
-                    <a:pt x="1378" y="964"/>
-                  </a:lnTo>
-                  <a:lnTo>
-                    <a:pt x="1349" y="1065"/>
-                  </a:lnTo>
-                  <a:lnTo>
-                    <a:pt x="1314" y="1164"/>
-                  </a:lnTo>
-                  <a:lnTo>
-                    <a:pt x="1273" y="1260"/>
-                  </a:lnTo>
-                  <a:lnTo>
-                    <a:pt x="1201" y="1396"/>
-                  </a:lnTo>
-                  <a:lnTo>
-                    <a:pt x="1092" y="1562"/>
-                  </a:lnTo>
-                  <a:lnTo>
-                    <a:pt x="976" y="1703"/>
-                  </a:lnTo>
-                  <a:lnTo>
-                    <a:pt x="859" y="1817"/>
-                  </a:lnTo>
-                  <a:lnTo>
-                    <a:pt x="777" y="1879"/>
-                  </a:lnTo>
-                  <a:lnTo>
-                    <a:pt x="727" y="1909"/>
-                  </a:lnTo>
-                  <a:lnTo>
-                    <a:pt x="703" y="1921"/>
-                  </a:lnTo>
-                  <a:close/>
-                </a:path>
-              </a:pathLst>
-            </a:custGeom>
-            <a:solidFill>
-              <a:srgbClr val="27AE61"/>
-            </a:solidFill>
-            <a:ln>
-              <a:noFill/>
-            </a:ln>
-            <a:extLst>
-              <a:ext uri="{91240B29-F687-4F45-9708-019B960494DF}">
-                <a14:hiddenLine xmlns:a14="http://schemas.microsoft.com/office/drawing/2010/main" w="9525">
-                  <a:solidFill>
-                    <a:srgbClr val="000000"/>
-                  </a:solidFill>
-                  <a:round/>
-                  <a:headEnd/>
-                  <a:tailEnd/>
-                </a14:hiddenLine>
-              </a:ext>
-            </a:extLst>
-          </p:spPr>
-          <p:txBody>
-            <a:bodyPr vert="horz" wrap="square" lIns="91440" tIns="45720" rIns="91440" bIns="45720" numCol="1" anchor="t" anchorCtr="0" compatLnSpc="1">
-              <a:prstTxWarp prst="textNoShape">
-                <a:avLst/>
-              </a:prstTxWarp>
-            </a:bodyPr>
-            <a:lstStyle/>
-            <a:p>
-              <a:endParaRPr lang="en-US"/>
-            </a:p>
-          </p:txBody>
-        </p:sp>
-        <p:sp>
-          <p:nvSpPr>
-            <p:cNvPr id="20" name="Freeform 1005">
-              <a:extLst>
-                <a:ext uri="{FF2B5EF4-FFF2-40B4-BE49-F238E27FC236}">
-                  <a16:creationId xmlns:a16="http://schemas.microsoft.com/office/drawing/2014/main" id="{0C639ED8-2CB2-4900-BCE7-2F5E2571C620}"/>
-                </a:ext>
-              </a:extLst>
-            </p:cNvPr>
-            <p:cNvSpPr>
-              <a:spLocks/>
-            </p:cNvSpPr>
-            <p:nvPr/>
-          </p:nvSpPr>
-          <p:spPr bwMode="auto">
-            <a:xfrm>
-              <a:off x="8817295" y="2651124"/>
-              <a:ext cx="1394144" cy="3802211"/>
-            </a:xfrm>
-            <a:custGeom>
-              <a:avLst/>
-              <a:gdLst>
-                <a:gd name="T0" fmla="*/ 0 w 704"/>
-                <a:gd name="T1" fmla="*/ 0 h 1921"/>
-                <a:gd name="T2" fmla="*/ 37 w 704"/>
-                <a:gd name="T3" fmla="*/ 1 h 1921"/>
-                <a:gd name="T4" fmla="*/ 108 w 704"/>
-                <a:gd name="T5" fmla="*/ 8 h 1921"/>
-                <a:gd name="T6" fmla="*/ 177 w 704"/>
-                <a:gd name="T7" fmla="*/ 22 h 1921"/>
-                <a:gd name="T8" fmla="*/ 243 w 704"/>
-                <a:gd name="T9" fmla="*/ 43 h 1921"/>
-                <a:gd name="T10" fmla="*/ 306 w 704"/>
-                <a:gd name="T11" fmla="*/ 70 h 1921"/>
-                <a:gd name="T12" fmla="*/ 366 w 704"/>
-                <a:gd name="T13" fmla="*/ 102 h 1921"/>
-                <a:gd name="T14" fmla="*/ 422 w 704"/>
-                <a:gd name="T15" fmla="*/ 140 h 1921"/>
-                <a:gd name="T16" fmla="*/ 474 w 704"/>
-                <a:gd name="T17" fmla="*/ 183 h 1921"/>
-                <a:gd name="T18" fmla="*/ 522 w 704"/>
-                <a:gd name="T19" fmla="*/ 230 h 1921"/>
-                <a:gd name="T20" fmla="*/ 564 w 704"/>
-                <a:gd name="T21" fmla="*/ 282 h 1921"/>
-                <a:gd name="T22" fmla="*/ 603 w 704"/>
-                <a:gd name="T23" fmla="*/ 339 h 1921"/>
-                <a:gd name="T24" fmla="*/ 636 w 704"/>
-                <a:gd name="T25" fmla="*/ 399 h 1921"/>
-                <a:gd name="T26" fmla="*/ 662 w 704"/>
-                <a:gd name="T27" fmla="*/ 461 h 1921"/>
-                <a:gd name="T28" fmla="*/ 682 w 704"/>
-                <a:gd name="T29" fmla="*/ 529 h 1921"/>
-                <a:gd name="T30" fmla="*/ 697 w 704"/>
-                <a:gd name="T31" fmla="*/ 597 h 1921"/>
-                <a:gd name="T32" fmla="*/ 704 w 704"/>
-                <a:gd name="T33" fmla="*/ 667 h 1921"/>
-                <a:gd name="T34" fmla="*/ 704 w 704"/>
-                <a:gd name="T35" fmla="*/ 704 h 1921"/>
-                <a:gd name="T36" fmla="*/ 704 w 704"/>
-                <a:gd name="T37" fmla="*/ 757 h 1921"/>
-                <a:gd name="T38" fmla="*/ 694 w 704"/>
-                <a:gd name="T39" fmla="*/ 860 h 1921"/>
-                <a:gd name="T40" fmla="*/ 675 w 704"/>
-                <a:gd name="T41" fmla="*/ 964 h 1921"/>
-                <a:gd name="T42" fmla="*/ 646 w 704"/>
-                <a:gd name="T43" fmla="*/ 1065 h 1921"/>
-                <a:gd name="T44" fmla="*/ 611 w 704"/>
-                <a:gd name="T45" fmla="*/ 1164 h 1921"/>
-                <a:gd name="T46" fmla="*/ 570 w 704"/>
-                <a:gd name="T47" fmla="*/ 1260 h 1921"/>
-                <a:gd name="T48" fmla="*/ 498 w 704"/>
-                <a:gd name="T49" fmla="*/ 1396 h 1921"/>
-                <a:gd name="T50" fmla="*/ 389 w 704"/>
-                <a:gd name="T51" fmla="*/ 1562 h 1921"/>
-                <a:gd name="T52" fmla="*/ 273 w 704"/>
-                <a:gd name="T53" fmla="*/ 1703 h 1921"/>
-                <a:gd name="T54" fmla="*/ 156 w 704"/>
-                <a:gd name="T55" fmla="*/ 1817 h 1921"/>
-                <a:gd name="T56" fmla="*/ 74 w 704"/>
-                <a:gd name="T57" fmla="*/ 1879 h 1921"/>
-                <a:gd name="T58" fmla="*/ 24 w 704"/>
-                <a:gd name="T59" fmla="*/ 1909 h 1921"/>
-                <a:gd name="T60" fmla="*/ 0 w 704"/>
-                <a:gd name="T61" fmla="*/ 1921 h 1921"/>
-                <a:gd name="T62" fmla="*/ 0 w 704"/>
-                <a:gd name="T63" fmla="*/ 0 h 1921"/>
-              </a:gdLst>
-              <a:ahLst/>
-              <a:cxnLst>
-                <a:cxn ang="0">
-                  <a:pos x="T0" y="T1"/>
-                </a:cxn>
-                <a:cxn ang="0">
-                  <a:pos x="T2" y="T3"/>
-                </a:cxn>
-                <a:cxn ang="0">
-                  <a:pos x="T4" y="T5"/>
-                </a:cxn>
-                <a:cxn ang="0">
-                  <a:pos x="T6" y="T7"/>
-                </a:cxn>
-                <a:cxn ang="0">
-                  <a:pos x="T8" y="T9"/>
-                </a:cxn>
-                <a:cxn ang="0">
-                  <a:pos x="T10" y="T11"/>
-                </a:cxn>
-                <a:cxn ang="0">
-                  <a:pos x="T12" y="T13"/>
-                </a:cxn>
-                <a:cxn ang="0">
-                  <a:pos x="T14" y="T15"/>
-                </a:cxn>
-                <a:cxn ang="0">
-                  <a:pos x="T16" y="T17"/>
-                </a:cxn>
-                <a:cxn ang="0">
-                  <a:pos x="T18" y="T19"/>
-                </a:cxn>
-                <a:cxn ang="0">
-                  <a:pos x="T20" y="T21"/>
-                </a:cxn>
-                <a:cxn ang="0">
-                  <a:pos x="T22" y="T23"/>
-                </a:cxn>
-                <a:cxn ang="0">
-                  <a:pos x="T24" y="T25"/>
-                </a:cxn>
-                <a:cxn ang="0">
-                  <a:pos x="T26" y="T27"/>
-                </a:cxn>
-                <a:cxn ang="0">
-                  <a:pos x="T28" y="T29"/>
-                </a:cxn>
-                <a:cxn ang="0">
-                  <a:pos x="T30" y="T31"/>
-                </a:cxn>
-                <a:cxn ang="0">
-                  <a:pos x="T32" y="T33"/>
-                </a:cxn>
-                <a:cxn ang="0">
-                  <a:pos x="T34" y="T35"/>
-                </a:cxn>
-                <a:cxn ang="0">
-                  <a:pos x="T36" y="T37"/>
-                </a:cxn>
-                <a:cxn ang="0">
-                  <a:pos x="T38" y="T39"/>
-                </a:cxn>
-                <a:cxn ang="0">
-                  <a:pos x="T40" y="T41"/>
-                </a:cxn>
-                <a:cxn ang="0">
-                  <a:pos x="T42" y="T43"/>
-                </a:cxn>
-                <a:cxn ang="0">
-                  <a:pos x="T44" y="T45"/>
-                </a:cxn>
-                <a:cxn ang="0">
-                  <a:pos x="T46" y="T47"/>
-                </a:cxn>
-                <a:cxn ang="0">
-                  <a:pos x="T48" y="T49"/>
-                </a:cxn>
-                <a:cxn ang="0">
-                  <a:pos x="T50" y="T51"/>
-                </a:cxn>
-                <a:cxn ang="0">
-                  <a:pos x="T52" y="T53"/>
-                </a:cxn>
-                <a:cxn ang="0">
-                  <a:pos x="T54" y="T55"/>
-                </a:cxn>
-                <a:cxn ang="0">
-                  <a:pos x="T56" y="T57"/>
-                </a:cxn>
-                <a:cxn ang="0">
-                  <a:pos x="T58" y="T59"/>
-                </a:cxn>
-                <a:cxn ang="0">
-                  <a:pos x="T60" y="T61"/>
-                </a:cxn>
-                <a:cxn ang="0">
-                  <a:pos x="T62" y="T63"/>
-                </a:cxn>
-              </a:cxnLst>
-              <a:rect l="0" t="0" r="r" b="b"/>
-              <a:pathLst>
-                <a:path w="704" h="1921">
-                  <a:moveTo>
-                    <a:pt x="0" y="0"/>
-                  </a:moveTo>
-                  <a:lnTo>
-                    <a:pt x="37" y="1"/>
-                  </a:lnTo>
-                  <a:lnTo>
-                    <a:pt x="108" y="8"/>
-                  </a:lnTo>
-                  <a:lnTo>
-                    <a:pt x="177" y="22"/>
-                  </a:lnTo>
-                  <a:lnTo>
-                    <a:pt x="243" y="43"/>
-                  </a:lnTo>
-                  <a:lnTo>
-                    <a:pt x="306" y="70"/>
-                  </a:lnTo>
-                  <a:lnTo>
-                    <a:pt x="366" y="102"/>
-                  </a:lnTo>
-                  <a:lnTo>
-                    <a:pt x="422" y="140"/>
-                  </a:lnTo>
-                  <a:lnTo>
-                    <a:pt x="474" y="183"/>
-                  </a:lnTo>
-                  <a:lnTo>
-                    <a:pt x="522" y="230"/>
-                  </a:lnTo>
-                  <a:lnTo>
-                    <a:pt x="564" y="282"/>
-                  </a:lnTo>
-                  <a:lnTo>
-                    <a:pt x="603" y="339"/>
-                  </a:lnTo>
-                  <a:lnTo>
-                    <a:pt x="636" y="399"/>
-                  </a:lnTo>
-                  <a:lnTo>
-                    <a:pt x="662" y="461"/>
-                  </a:lnTo>
-                  <a:lnTo>
-                    <a:pt x="682" y="529"/>
-                  </a:lnTo>
-                  <a:lnTo>
-                    <a:pt x="697" y="597"/>
-                  </a:lnTo>
-                  <a:lnTo>
-                    <a:pt x="704" y="667"/>
-                  </a:lnTo>
-                  <a:lnTo>
-                    <a:pt x="704" y="704"/>
-                  </a:lnTo>
-                  <a:lnTo>
-                    <a:pt x="704" y="757"/>
-                  </a:lnTo>
-                  <a:lnTo>
-                    <a:pt x="694" y="860"/>
-                  </a:lnTo>
-                  <a:lnTo>
-                    <a:pt x="675" y="964"/>
-                  </a:lnTo>
-                  <a:lnTo>
-                    <a:pt x="646" y="1065"/>
-                  </a:lnTo>
-                  <a:lnTo>
-                    <a:pt x="611" y="1164"/>
-                  </a:lnTo>
-                  <a:lnTo>
-                    <a:pt x="570" y="1260"/>
-                  </a:lnTo>
-                  <a:lnTo>
-                    <a:pt x="498" y="1396"/>
-                  </a:lnTo>
-                  <a:lnTo>
-                    <a:pt x="389" y="1562"/>
-                  </a:lnTo>
-                  <a:lnTo>
-                    <a:pt x="273" y="1703"/>
-                  </a:lnTo>
-                  <a:lnTo>
-                    <a:pt x="156" y="1817"/>
-                  </a:lnTo>
-                  <a:lnTo>
-                    <a:pt x="74" y="1879"/>
-                  </a:lnTo>
-                  <a:lnTo>
-                    <a:pt x="24" y="1909"/>
-                  </a:lnTo>
-                  <a:lnTo>
-                    <a:pt x="0" y="1921"/>
-                  </a:lnTo>
-                  <a:lnTo>
-                    <a:pt x="0" y="0"/>
-                  </a:lnTo>
-                  <a:close/>
-                </a:path>
-              </a:pathLst>
-            </a:custGeom>
-            <a:solidFill>
-              <a:schemeClr val="bg1">
-                <a:alpha val="30000"/>
-              </a:schemeClr>
-            </a:solidFill>
-            <a:ln>
-              <a:noFill/>
-            </a:ln>
-          </p:spPr>
-          <p:txBody>
-            <a:bodyPr vert="horz" wrap="square" lIns="91440" tIns="45720" rIns="91440" bIns="45720" numCol="1" anchor="t" anchorCtr="0" compatLnSpc="1">
-              <a:prstTxWarp prst="textNoShape">
-                <a:avLst/>
-              </a:prstTxWarp>
-            </a:bodyPr>
-            <a:lstStyle/>
-            <a:p>
-              <a:endParaRPr lang="en-US"/>
-            </a:p>
-          </p:txBody>
-        </p:sp>
-        <p:sp>
-          <p:nvSpPr>
-            <p:cNvPr id="21" name="Freeform 1006">
-              <a:extLst>
-                <a:ext uri="{FF2B5EF4-FFF2-40B4-BE49-F238E27FC236}">
-                  <a16:creationId xmlns:a16="http://schemas.microsoft.com/office/drawing/2014/main" id="{466D9AE7-B767-4543-A274-3BB22491F54C}"/>
-                </a:ext>
-              </a:extLst>
-            </p:cNvPr>
-            <p:cNvSpPr>
-              <a:spLocks/>
-            </p:cNvSpPr>
-            <p:nvPr/>
-          </p:nvSpPr>
-          <p:spPr bwMode="auto">
-            <a:xfrm>
-              <a:off x="7668708" y="2904605"/>
-              <a:ext cx="2289250" cy="2289250"/>
-            </a:xfrm>
-            <a:prstGeom prst="ellipse">
-              <a:avLst/>
-            </a:prstGeom>
-            <a:solidFill>
-              <a:srgbClr val="FFFFFF"/>
-            </a:solidFill>
-            <a:ln>
-              <a:noFill/>
-            </a:ln>
-            <a:extLst>
-              <a:ext uri="{91240B29-F687-4F45-9708-019B960494DF}">
-                <a14:hiddenLine xmlns:a14="http://schemas.microsoft.com/office/drawing/2010/main" w="9525">
-                  <a:solidFill>
-                    <a:srgbClr val="000000"/>
-                  </a:solidFill>
-                  <a:round/>
-                  <a:headEnd/>
-                  <a:tailEnd/>
-                </a14:hiddenLine>
-              </a:ext>
-            </a:extLst>
-          </p:spPr>
-          <p:txBody>
-            <a:bodyPr vert="horz" wrap="square" lIns="0" tIns="45720" rIns="0" bIns="45720" numCol="1" anchor="ctr" anchorCtr="0" compatLnSpc="1">
-              <a:prstTxWarp prst="textNoShape">
-                <a:avLst/>
-              </a:prstTxWarp>
-            </a:bodyPr>
-            <a:lstStyle/>
-            <a:p>
-              <a:pPr lvl="0" algn="ctr"/>
-              <a:r>
-                <a:rPr lang="en-US" b="1" dirty="0">
-                  <a:solidFill>
-                    <a:srgbClr val="27AE61"/>
-                  </a:solidFill>
-                  <a:latin typeface="Open Sans" panose="020B0606030504020204" pitchFamily="34" charset="0"/>
-                  <a:ea typeface="Open Sans" panose="020B0606030504020204" pitchFamily="34" charset="0"/>
-                  <a:cs typeface="Open Sans" panose="020B0606030504020204" pitchFamily="34" charset="0"/>
-                </a:rPr>
-                <a:t>TPSI</a:t>
               </a:r>
             </a:p>
           </p:txBody>
@@ -9420,8 +8466,8 @@
         </p:nvGrpSpPr>
         <p:grpSpPr>
           <a:xfrm>
-            <a:off x="6293283" y="2403440"/>
-            <a:ext cx="1392984" cy="1899523"/>
+            <a:off x="6293282" y="2372462"/>
+            <a:ext cx="1415701" cy="1930501"/>
             <a:chOff x="7423151" y="2651124"/>
             <a:chExt cx="2788288" cy="3802211"/>
           </a:xfrm>
@@ -12290,8 +11336,8 @@
         </p:nvSpPr>
         <p:spPr>
           <a:xfrm>
-            <a:off x="9413221" y="6372352"/>
-            <a:ext cx="2456298" cy="338554"/>
+            <a:off x="8245414" y="6372352"/>
+            <a:ext cx="3624105" cy="338554"/>
           </a:xfrm>
           <a:prstGeom prst="rect">
             <a:avLst/>
@@ -12304,6 +11350,7 @@
           </a:bodyPr>
           <a:lstStyle/>
           <a:p>
+            <a:pPr algn="r"/>
             <a:r>
               <a:rPr lang="en-US" sz="1600" dirty="0">
                 <a:solidFill>
@@ -12313,7 +11360,7 @@
                 </a:solidFill>
                 <a:latin typeface="+mj-lt"/>
               </a:rPr>
-              <a:t>Ludovico Venturi 5°AIA</a:t>
+              <a:t>Ludovico Venturi 5°AIA | 2017/2018</a:t>
             </a:r>
           </a:p>
         </p:txBody>
@@ -12413,8 +11460,8 @@
         </p:nvGrpSpPr>
         <p:grpSpPr>
           <a:xfrm>
-            <a:off x="9109726" y="2678196"/>
-            <a:ext cx="903005" cy="1231370"/>
+            <a:off x="8073850" y="2534146"/>
+            <a:ext cx="1131273" cy="1542644"/>
             <a:chOff x="7423151" y="2651124"/>
             <a:chExt cx="2788288" cy="3802211"/>
           </a:xfrm>
@@ -13339,7 +12386,7 @@
             <a:p>
               <a:pPr lvl="0" algn="ctr"/>
               <a:r>
-                <a:rPr lang="en-US" sz="1200" b="1" dirty="0">
+                <a:rPr lang="en-US" sz="1400" b="1" dirty="0">
                   <a:solidFill>
                     <a:srgbClr val="FD0155"/>
                   </a:solidFill>
@@ -17064,60 +16111,6 @@
           </a:p>
         </p:txBody>
       </p:sp>
-      <p:sp>
-        <p:nvSpPr>
-          <p:cNvPr id="17" name="Oval 16">
-            <a:extLst>
-              <a:ext uri="{FF2B5EF4-FFF2-40B4-BE49-F238E27FC236}">
-                <a16:creationId xmlns:a16="http://schemas.microsoft.com/office/drawing/2014/main" id="{282ED13D-929E-406D-8A6D-B0F10A3BAA06}"/>
-              </a:ext>
-            </a:extLst>
-          </p:cNvPr>
-          <p:cNvSpPr/>
-          <p:nvPr/>
-        </p:nvSpPr>
-        <p:spPr>
-          <a:xfrm>
-            <a:off x="1192482" y="5211779"/>
-            <a:ext cx="1368152" cy="1368152"/>
-          </a:xfrm>
-          <a:prstGeom prst="ellipse">
-            <a:avLst/>
-          </a:prstGeom>
-          <a:solidFill>
-            <a:srgbClr val="27AE61"/>
-          </a:solidFill>
-          <a:ln>
-            <a:noFill/>
-          </a:ln>
-        </p:spPr>
-        <p:style>
-          <a:lnRef idx="2">
-            <a:schemeClr val="accent1">
-              <a:shade val="50000"/>
-            </a:schemeClr>
-          </a:lnRef>
-          <a:fillRef idx="1">
-            <a:schemeClr val="accent1"/>
-          </a:fillRef>
-          <a:effectRef idx="0">
-            <a:schemeClr val="accent1"/>
-          </a:effectRef>
-          <a:fontRef idx="minor">
-            <a:schemeClr val="lt1"/>
-          </a:fontRef>
-        </p:style>
-        <p:txBody>
-          <a:bodyPr rtlCol="0" anchor="ctr"/>
-          <a:lstStyle/>
-          <a:p>
-            <a:pPr algn="ctr"/>
-            <a:endParaRPr lang="en-US">
-              <a:latin typeface="+mj-lt"/>
-            </a:endParaRPr>
-          </a:p>
-        </p:txBody>
-      </p:sp>
       <p:grpSp>
         <p:nvGrpSpPr>
           <p:cNvPr id="18" name="Group 17">
@@ -17677,272 +16670,6 @@
               <a:endParaRPr lang="en-US" sz="1400" dirty="0">
                 <a:latin typeface="+mj-lt"/>
               </a:endParaRPr>
-            </a:p>
-          </p:txBody>
-        </p:sp>
-      </p:grpSp>
-      <p:grpSp>
-        <p:nvGrpSpPr>
-          <p:cNvPr id="27" name="Group 26">
-            <a:extLst>
-              <a:ext uri="{FF2B5EF4-FFF2-40B4-BE49-F238E27FC236}">
-                <a16:creationId xmlns:a16="http://schemas.microsoft.com/office/drawing/2014/main" id="{44A8A5B9-C5E2-49F8-B82F-9DF31BC70865}"/>
-              </a:ext>
-            </a:extLst>
-          </p:cNvPr>
-          <p:cNvGrpSpPr/>
-          <p:nvPr/>
-        </p:nvGrpSpPr>
-        <p:grpSpPr>
-          <a:xfrm>
-            <a:off x="2779397" y="5389258"/>
-            <a:ext cx="3595856" cy="1107996"/>
-            <a:chOff x="4655840" y="219323"/>
-            <a:chExt cx="2995195" cy="1107996"/>
-          </a:xfrm>
-        </p:grpSpPr>
-        <p:sp>
-          <p:nvSpPr>
-            <p:cNvPr id="28" name="TextBox 27">
-              <a:extLst>
-                <a:ext uri="{FF2B5EF4-FFF2-40B4-BE49-F238E27FC236}">
-                  <a16:creationId xmlns:a16="http://schemas.microsoft.com/office/drawing/2014/main" id="{FB77A872-EAC1-40B0-910F-8B1278FACB7D}"/>
-                </a:ext>
-              </a:extLst>
-            </p:cNvPr>
-            <p:cNvSpPr txBox="1"/>
-            <p:nvPr/>
-          </p:nvSpPr>
-          <p:spPr>
-            <a:xfrm>
-              <a:off x="4655840" y="219323"/>
-              <a:ext cx="1634593" cy="338554"/>
-            </a:xfrm>
-            <a:prstGeom prst="rect">
-              <a:avLst/>
-            </a:prstGeom>
-            <a:noFill/>
-          </p:spPr>
-          <p:txBody>
-            <a:bodyPr wrap="none" rtlCol="0">
-              <a:spAutoFit/>
-            </a:bodyPr>
-            <a:lstStyle/>
-            <a:p>
-              <a:r>
-                <a:rPr lang="en-US" sz="1600" b="1" cap="all" dirty="0">
-                  <a:solidFill>
-                    <a:srgbClr val="27AE61"/>
-                  </a:solidFill>
-                  <a:latin typeface="Open Sans" panose="020B0606030504020204" pitchFamily="34" charset="0"/>
-                  <a:ea typeface="Open Sans" panose="020B0606030504020204" pitchFamily="34" charset="0"/>
-                  <a:cs typeface="Open Sans" panose="020B0606030504020204" pitchFamily="34" charset="0"/>
-                </a:rPr>
-                <a:t>04 – </a:t>
-              </a:r>
-              <a:r>
-                <a:rPr lang="en-US" sz="1600" b="1" cap="all" dirty="0" err="1">
-                  <a:solidFill>
-                    <a:srgbClr val="27AE61"/>
-                  </a:solidFill>
-                  <a:latin typeface="Open Sans" panose="020B0606030504020204" pitchFamily="34" charset="0"/>
-                  <a:ea typeface="Open Sans" panose="020B0606030504020204" pitchFamily="34" charset="0"/>
-                  <a:cs typeface="Open Sans" panose="020B0606030504020204" pitchFamily="34" charset="0"/>
-                </a:rPr>
-                <a:t>tpsi</a:t>
-              </a:r>
-              <a:r>
-                <a:rPr lang="en-US" sz="1600" b="1" cap="all" dirty="0">
-                  <a:solidFill>
-                    <a:srgbClr val="27AE61"/>
-                  </a:solidFill>
-                  <a:latin typeface="Open Sans" panose="020B0606030504020204" pitchFamily="34" charset="0"/>
-                  <a:ea typeface="Open Sans" panose="020B0606030504020204" pitchFamily="34" charset="0"/>
-                  <a:cs typeface="Open Sans" panose="020B0606030504020204" pitchFamily="34" charset="0"/>
-                </a:rPr>
-                <a:t> - SOCKET</a:t>
-              </a:r>
-            </a:p>
-          </p:txBody>
-        </p:sp>
-        <p:sp>
-          <p:nvSpPr>
-            <p:cNvPr id="29" name="TextBox 28">
-              <a:extLst>
-                <a:ext uri="{FF2B5EF4-FFF2-40B4-BE49-F238E27FC236}">
-                  <a16:creationId xmlns:a16="http://schemas.microsoft.com/office/drawing/2014/main" id="{87F08959-F262-404D-A220-8029B8F865F7}"/>
-                </a:ext>
-              </a:extLst>
-            </p:cNvPr>
-            <p:cNvSpPr txBox="1"/>
-            <p:nvPr/>
-          </p:nvSpPr>
-          <p:spPr>
-            <a:xfrm>
-              <a:off x="4655840" y="588655"/>
-              <a:ext cx="2995195" cy="738664"/>
-            </a:xfrm>
-            <a:prstGeom prst="rect">
-              <a:avLst/>
-            </a:prstGeom>
-            <a:noFill/>
-          </p:spPr>
-          <p:txBody>
-            <a:bodyPr wrap="square" rtlCol="0">
-              <a:spAutoFit/>
-            </a:bodyPr>
-            <a:lstStyle/>
-            <a:p>
-              <a:r>
-                <a:rPr lang="en-US" sz="1400" dirty="0">
-                  <a:latin typeface="+mj-lt"/>
-                </a:rPr>
-                <a:t>Per </a:t>
-              </a:r>
-              <a:r>
-                <a:rPr lang="en-US" sz="1400" dirty="0" err="1">
-                  <a:latin typeface="+mj-lt"/>
-                </a:rPr>
-                <a:t>completare</a:t>
-              </a:r>
-              <a:r>
-                <a:rPr lang="en-US" sz="1400" dirty="0">
-                  <a:latin typeface="+mj-lt"/>
-                </a:rPr>
-                <a:t> </a:t>
-              </a:r>
-              <a:r>
-                <a:rPr lang="en-US" sz="1400" dirty="0" err="1">
-                  <a:latin typeface="+mj-lt"/>
-                </a:rPr>
-                <a:t>il</a:t>
-              </a:r>
-              <a:r>
-                <a:rPr lang="en-US" sz="1400" dirty="0">
-                  <a:latin typeface="+mj-lt"/>
-                </a:rPr>
-                <a:t> </a:t>
-              </a:r>
-              <a:r>
-                <a:rPr lang="en-US" sz="1400" dirty="0" err="1">
-                  <a:latin typeface="+mj-lt"/>
-                </a:rPr>
-                <a:t>discorso</a:t>
-              </a:r>
-              <a:r>
-                <a:rPr lang="en-US" sz="1400" dirty="0">
-                  <a:latin typeface="+mj-lt"/>
-                </a:rPr>
-                <a:t> </a:t>
-              </a:r>
-              <a:r>
-                <a:rPr lang="en-US" sz="1400" dirty="0" err="1">
-                  <a:latin typeface="+mj-lt"/>
-                </a:rPr>
-                <a:t>sulle</a:t>
-              </a:r>
-              <a:r>
-                <a:rPr lang="en-US" sz="1400" dirty="0">
-                  <a:latin typeface="+mj-lt"/>
-                </a:rPr>
-                <a:t> ACL </a:t>
-              </a:r>
-              <a:r>
-                <a:rPr lang="en-US" sz="1400" dirty="0" err="1">
-                  <a:latin typeface="+mj-lt"/>
-                </a:rPr>
-                <a:t>si</a:t>
-              </a:r>
-              <a:r>
-                <a:rPr lang="en-US" sz="1400" dirty="0">
-                  <a:latin typeface="+mj-lt"/>
-                </a:rPr>
-                <a:t> </a:t>
-              </a:r>
-              <a:r>
-                <a:rPr lang="en-US" sz="1400" dirty="0" err="1">
-                  <a:latin typeface="+mj-lt"/>
-                </a:rPr>
-                <a:t>parlerà</a:t>
-              </a:r>
-              <a:r>
-                <a:rPr lang="en-US" sz="1400" dirty="0">
-                  <a:latin typeface="+mj-lt"/>
-                </a:rPr>
-                <a:t> </a:t>
-              </a:r>
-              <a:r>
-                <a:rPr lang="en-US" sz="1400" dirty="0" err="1">
-                  <a:latin typeface="+mj-lt"/>
-                </a:rPr>
-                <a:t>dei</a:t>
-              </a:r>
-              <a:r>
-                <a:rPr lang="en-US" sz="1400" dirty="0">
-                  <a:latin typeface="+mj-lt"/>
-                </a:rPr>
-                <a:t> Socket e </a:t>
-              </a:r>
-              <a:r>
-                <a:rPr lang="en-US" sz="1400" dirty="0" err="1">
-                  <a:latin typeface="+mj-lt"/>
-                </a:rPr>
-                <a:t>della</a:t>
-              </a:r>
-              <a:r>
-                <a:rPr lang="en-US" sz="1400" dirty="0">
-                  <a:latin typeface="+mj-lt"/>
-                </a:rPr>
-                <a:t> </a:t>
-              </a:r>
-              <a:r>
-                <a:rPr lang="en-US" sz="1400" dirty="0" err="1">
-                  <a:latin typeface="+mj-lt"/>
-                </a:rPr>
-                <a:t>loro</a:t>
-              </a:r>
-              <a:r>
-                <a:rPr lang="en-US" sz="1400" dirty="0">
-                  <a:latin typeface="+mj-lt"/>
-                </a:rPr>
-                <a:t> </a:t>
-              </a:r>
-              <a:r>
-                <a:rPr lang="en-US" sz="1400" dirty="0" err="1">
-                  <a:latin typeface="+mj-lt"/>
-                </a:rPr>
-                <a:t>importanza</a:t>
-              </a:r>
-              <a:r>
-                <a:rPr lang="en-US" sz="1400" dirty="0">
-                  <a:latin typeface="+mj-lt"/>
-                </a:rPr>
-                <a:t> </a:t>
-              </a:r>
-              <a:r>
-                <a:rPr lang="en-US" sz="1400" dirty="0" err="1">
-                  <a:latin typeface="+mj-lt"/>
-                </a:rPr>
-                <a:t>nelle</a:t>
-              </a:r>
-              <a:r>
-                <a:rPr lang="en-US" sz="1400" dirty="0">
-                  <a:latin typeface="+mj-lt"/>
-                </a:rPr>
-                <a:t> </a:t>
-              </a:r>
-              <a:r>
-                <a:rPr lang="en-US" sz="1400" dirty="0" err="1">
-                  <a:latin typeface="+mj-lt"/>
-                </a:rPr>
-                <a:t>comunicazioni</a:t>
-              </a:r>
-              <a:r>
-                <a:rPr lang="en-US" sz="1400" dirty="0">
-                  <a:latin typeface="+mj-lt"/>
-                </a:rPr>
-                <a:t> Client-Server</a:t>
-              </a:r>
             </a:p>
           </p:txBody>
         </p:sp>
@@ -18223,7 +16950,7 @@
                   <a:ea typeface="Open Sans" panose="020B0606030504020204" pitchFamily="34" charset="0"/>
                   <a:cs typeface="Open Sans" panose="020B0606030504020204" pitchFamily="34" charset="0"/>
                 </a:rPr>
-                <a:t>08 – </a:t>
+                <a:t>07 – </a:t>
               </a:r>
               <a:r>
                 <a:rPr lang="en-US" sz="1600" b="1" cap="all" dirty="0" err="1">
@@ -18416,7 +17143,7 @@
                   <a:ea typeface="Open Sans" panose="020B0606030504020204" pitchFamily="34" charset="0"/>
                   <a:cs typeface="Open Sans" panose="020B0606030504020204" pitchFamily="34" charset="0"/>
                 </a:rPr>
-                <a:t>06 – MIA TESI </a:t>
+                <a:t>05 – MIA TESI </a:t>
               </a:r>
             </a:p>
           </p:txBody>
@@ -18453,6 +17180,29 @@
                 <a:rPr lang="en-US" sz="1400" dirty="0" err="1">
                   <a:latin typeface="+mj-lt"/>
                 </a:rPr>
+                <a:t>Cos’è</a:t>
+              </a:r>
+              <a:r>
+                <a:rPr lang="en-US" sz="1400" dirty="0">
+                  <a:latin typeface="+mj-lt"/>
+                </a:rPr>
+                <a:t> </a:t>
+              </a:r>
+              <a:r>
+                <a:rPr lang="en-US" sz="1400" dirty="0" err="1">
+                  <a:latin typeface="+mj-lt"/>
+                </a:rPr>
+                <a:t>l’informatica</a:t>
+              </a:r>
+              <a:br>
+                <a:rPr lang="en-US" sz="1400" dirty="0">
+                  <a:latin typeface="+mj-lt"/>
+                </a:rPr>
+              </a:br>
+              <a:r>
+                <a:rPr lang="en-US" sz="1400" dirty="0" err="1">
+                  <a:latin typeface="+mj-lt"/>
+                </a:rPr>
                 <a:t>L’Informatica</a:t>
               </a:r>
               <a:r>
@@ -18525,29 +17275,6 @@
                   <a:latin typeface="+mj-lt"/>
                 </a:rPr>
                 <a:t>automatici</a:t>
-              </a:r>
-              <a:endParaRPr lang="en-US" sz="1400" dirty="0">
-                <a:latin typeface="+mj-lt"/>
-              </a:endParaRPr>
-            </a:p>
-            <a:p>
-              <a:r>
-                <a:rPr lang="en-US" sz="1400" dirty="0" err="1">
-                  <a:latin typeface="+mj-lt"/>
-                </a:rPr>
-                <a:t>Intelligenza</a:t>
-              </a:r>
-              <a:r>
-                <a:rPr lang="en-US" sz="1400" dirty="0">
-                  <a:latin typeface="+mj-lt"/>
-                </a:rPr>
-                <a:t> </a:t>
-              </a:r>
-              <a:r>
-                <a:rPr lang="en-US" sz="1400" dirty="0" err="1">
-                  <a:latin typeface="+mj-lt"/>
-                </a:rPr>
-                <a:t>Artificiale</a:t>
               </a:r>
               <a:endParaRPr lang="en-US" sz="1400" dirty="0">
                 <a:latin typeface="+mj-lt"/>
@@ -18613,7 +17340,7 @@
                   <a:ea typeface="Open Sans" panose="020B0606030504020204" pitchFamily="34" charset="0"/>
                   <a:cs typeface="Open Sans" panose="020B0606030504020204" pitchFamily="34" charset="0"/>
                 </a:rPr>
-                <a:t>07 – MIO PROGETTO</a:t>
+                <a:t>06 – MIO PROGETTO</a:t>
               </a:r>
             </a:p>
           </p:txBody>
@@ -18650,7 +17377,7 @@
                 <a:rPr lang="en-GB" sz="1400" dirty="0">
                   <a:latin typeface="+mj-lt"/>
                 </a:rPr>
-                <a:t>A</a:t>
+                <a:t>«A</a:t>
               </a:r>
               <a:r>
                 <a:rPr lang="en-US" sz="1400" dirty="0" err="1">
@@ -18730,9 +17457,12 @@
                 </a:rPr>
                 <a:t>ostacoli</a:t>
               </a:r>
-              <a:endParaRPr lang="en-US" sz="1400" dirty="0">
-                <a:latin typeface="+mj-lt"/>
-              </a:endParaRPr>
+              <a:r>
+                <a:rPr lang="en-US" sz="1400" dirty="0">
+                  <a:latin typeface="+mj-lt"/>
+                </a:rPr>
+                <a:t>»</a:t>
+              </a:r>
             </a:p>
             <a:p>
               <a:r>
@@ -18960,66 +17690,6 @@
                 <a:latin typeface="+mj-lt"/>
               </a:rPr>
               <a:t>SIST</a:t>
-            </a:r>
-          </a:p>
-        </p:txBody>
-      </p:sp>
-      <p:sp>
-        <p:nvSpPr>
-          <p:cNvPr id="49" name="Oval 48">
-            <a:extLst>
-              <a:ext uri="{FF2B5EF4-FFF2-40B4-BE49-F238E27FC236}">
-                <a16:creationId xmlns:a16="http://schemas.microsoft.com/office/drawing/2014/main" id="{D419A2F4-0326-4E52-B16F-B4124A3622FA}"/>
-              </a:ext>
-            </a:extLst>
-          </p:cNvPr>
-          <p:cNvSpPr/>
-          <p:nvPr/>
-        </p:nvSpPr>
-        <p:spPr>
-          <a:xfrm>
-            <a:off x="1363950" y="5383247"/>
-            <a:ext cx="1025215" cy="1025215"/>
-          </a:xfrm>
-          <a:prstGeom prst="ellipse">
-            <a:avLst/>
-          </a:prstGeom>
-          <a:solidFill>
-            <a:schemeClr val="bg1"/>
-          </a:solidFill>
-          <a:ln>
-            <a:noFill/>
-          </a:ln>
-        </p:spPr>
-        <p:style>
-          <a:lnRef idx="2">
-            <a:schemeClr val="accent1">
-              <a:shade val="50000"/>
-            </a:schemeClr>
-          </a:lnRef>
-          <a:fillRef idx="1">
-            <a:schemeClr val="accent1"/>
-          </a:fillRef>
-          <a:effectRef idx="0">
-            <a:schemeClr val="accent1"/>
-          </a:effectRef>
-          <a:fontRef idx="minor">
-            <a:schemeClr val="lt1"/>
-          </a:fontRef>
-        </p:style>
-        <p:txBody>
-          <a:bodyPr rtlCol="0" anchor="ctr"/>
-          <a:lstStyle/>
-          <a:p>
-            <a:pPr algn="ctr"/>
-            <a:r>
-              <a:rPr lang="en-US" sz="2400" b="1" dirty="0">
-                <a:solidFill>
-                  <a:srgbClr val="27AE61"/>
-                </a:solidFill>
-                <a:latin typeface="+mj-lt"/>
-              </a:rPr>
-              <a:t>TPSI</a:t>
             </a:r>
           </a:p>
         </p:txBody>
@@ -19387,7 +18057,7 @@
                   <a:ea typeface="Open Sans" panose="020B0606030504020204" pitchFamily="34" charset="0"/>
                   <a:cs typeface="Open Sans" panose="020B0606030504020204" pitchFamily="34" charset="0"/>
                 </a:rPr>
-                <a:t>05 – STORIA | </a:t>
+                <a:t>04 – STORIA | </a:t>
               </a:r>
               <a:r>
                 <a:rPr lang="en-US" sz="1600" b="1" cap="all" dirty="0" err="1">
@@ -19645,6 +18315,211 @@
           </p:txBody>
         </p:sp>
       </p:grpSp>
+      <p:sp>
+        <p:nvSpPr>
+          <p:cNvPr id="60" name="Freeform 33">
+            <a:extLst>
+              <a:ext uri="{FF2B5EF4-FFF2-40B4-BE49-F238E27FC236}">
+                <a16:creationId xmlns:a16="http://schemas.microsoft.com/office/drawing/2014/main" id="{A955C9AA-0780-4F34-8E7A-77D630844E41}"/>
+              </a:ext>
+            </a:extLst>
+          </p:cNvPr>
+          <p:cNvSpPr/>
+          <p:nvPr/>
+        </p:nvSpPr>
+        <p:spPr>
+          <a:xfrm rot="2940000">
+            <a:off x="1870935" y="5301569"/>
+            <a:ext cx="391928" cy="709696"/>
+          </a:xfrm>
+          <a:custGeom>
+            <a:avLst/>
+            <a:gdLst>
+              <a:gd name="connsiteX0" fmla="*/ 135550 w 391928"/>
+              <a:gd name="connsiteY0" fmla="*/ 0 h 709696"/>
+              <a:gd name="connsiteX1" fmla="*/ 213310 w 391928"/>
+              <a:gd name="connsiteY1" fmla="*/ 172002 h 709696"/>
+              <a:gd name="connsiteX2" fmla="*/ 375545 w 391928"/>
+              <a:gd name="connsiteY2" fmla="*/ 615260 h 709696"/>
+              <a:gd name="connsiteX3" fmla="*/ 391928 w 391928"/>
+              <a:gd name="connsiteY3" fmla="*/ 672955 h 709696"/>
+              <a:gd name="connsiteX4" fmla="*/ 335492 w 391928"/>
+              <a:gd name="connsiteY4" fmla="*/ 678644 h 709696"/>
+              <a:gd name="connsiteX5" fmla="*/ 235461 w 391928"/>
+              <a:gd name="connsiteY5" fmla="*/ 709696 h 709696"/>
+              <a:gd name="connsiteX6" fmla="*/ 222202 w 391928"/>
+              <a:gd name="connsiteY6" fmla="*/ 663006 h 709696"/>
+              <a:gd name="connsiteX7" fmla="*/ 65367 w 391928"/>
+              <a:gd name="connsiteY7" fmla="*/ 234500 h 709696"/>
+              <a:gd name="connsiteX8" fmla="*/ 0 w 391928"/>
+              <a:gd name="connsiteY8" fmla="*/ 89913 h 709696"/>
+              <a:gd name="connsiteX9" fmla="*/ 77670 w 391928"/>
+              <a:gd name="connsiteY9" fmla="*/ 47755 h 709696"/>
+            </a:gdLst>
+            <a:ahLst/>
+            <a:cxnLst>
+              <a:cxn ang="0">
+                <a:pos x="connsiteX0" y="connsiteY0"/>
+              </a:cxn>
+              <a:cxn ang="0">
+                <a:pos x="connsiteX1" y="connsiteY1"/>
+              </a:cxn>
+              <a:cxn ang="0">
+                <a:pos x="connsiteX2" y="connsiteY2"/>
+              </a:cxn>
+              <a:cxn ang="0">
+                <a:pos x="connsiteX3" y="connsiteY3"/>
+              </a:cxn>
+              <a:cxn ang="0">
+                <a:pos x="connsiteX4" y="connsiteY4"/>
+              </a:cxn>
+              <a:cxn ang="0">
+                <a:pos x="connsiteX5" y="connsiteY5"/>
+              </a:cxn>
+              <a:cxn ang="0">
+                <a:pos x="connsiteX6" y="connsiteY6"/>
+              </a:cxn>
+              <a:cxn ang="0">
+                <a:pos x="connsiteX7" y="connsiteY7"/>
+              </a:cxn>
+              <a:cxn ang="0">
+                <a:pos x="connsiteX8" y="connsiteY8"/>
+              </a:cxn>
+              <a:cxn ang="0">
+                <a:pos x="connsiteX9" y="connsiteY9"/>
+              </a:cxn>
+            </a:cxnLst>
+            <a:rect l="l" t="t" r="r" b="b"/>
+            <a:pathLst>
+              <a:path w="391928" h="709696">
+                <a:moveTo>
+                  <a:pt x="135550" y="0"/>
+                </a:moveTo>
+                <a:lnTo>
+                  <a:pt x="213310" y="172002"/>
+                </a:lnTo>
+                <a:cubicBezTo>
+                  <a:pt x="274344" y="316302"/>
+                  <a:pt x="328557" y="464190"/>
+                  <a:pt x="375545" y="615260"/>
+                </a:cubicBezTo>
+                <a:lnTo>
+                  <a:pt x="391928" y="672955"/>
+                </a:lnTo>
+                <a:lnTo>
+                  <a:pt x="335492" y="678644"/>
+                </a:lnTo>
+                <a:lnTo>
+                  <a:pt x="235461" y="709696"/>
+                </a:lnTo>
+                <a:lnTo>
+                  <a:pt x="222202" y="663006"/>
+                </a:lnTo>
+                <a:cubicBezTo>
+                  <a:pt x="176778" y="516963"/>
+                  <a:pt x="124370" y="373998"/>
+                  <a:pt x="65367" y="234500"/>
+                </a:cubicBezTo>
+                <a:lnTo>
+                  <a:pt x="0" y="89913"/>
+                </a:lnTo>
+                <a:lnTo>
+                  <a:pt x="77670" y="47755"/>
+                </a:lnTo>
+                <a:close/>
+              </a:path>
+            </a:pathLst>
+          </a:custGeom>
+          <a:solidFill>
+            <a:schemeClr val="tx2"/>
+          </a:solidFill>
+          <a:ln>
+            <a:noFill/>
+          </a:ln>
+        </p:spPr>
+        <p:style>
+          <a:lnRef idx="2">
+            <a:schemeClr val="accent1">
+              <a:shade val="50000"/>
+            </a:schemeClr>
+          </a:lnRef>
+          <a:fillRef idx="1">
+            <a:schemeClr val="accent1"/>
+          </a:fillRef>
+          <a:effectRef idx="0">
+            <a:schemeClr val="accent1"/>
+          </a:effectRef>
+          <a:fontRef idx="minor">
+            <a:schemeClr val="lt1"/>
+          </a:fontRef>
+        </p:style>
+        <p:txBody>
+          <a:bodyPr rtlCol="0" anchor="ctr"/>
+          <a:lstStyle/>
+          <a:p>
+            <a:pPr algn="ctr"/>
+            <a:endParaRPr lang="en-US">
+              <a:solidFill>
+                <a:schemeClr val="tx1"/>
+              </a:solidFill>
+              <a:latin typeface="+mj-lt"/>
+            </a:endParaRPr>
+          </a:p>
+        </p:txBody>
+      </p:sp>
+      <p:sp>
+        <p:nvSpPr>
+          <p:cNvPr id="2" name="Oval 1">
+            <a:extLst>
+              <a:ext uri="{FF2B5EF4-FFF2-40B4-BE49-F238E27FC236}">
+                <a16:creationId xmlns:a16="http://schemas.microsoft.com/office/drawing/2014/main" id="{201215BF-5BFC-4FEE-A8A4-994EE6CD743D}"/>
+              </a:ext>
+            </a:extLst>
+          </p:cNvPr>
+          <p:cNvSpPr/>
+          <p:nvPr/>
+        </p:nvSpPr>
+        <p:spPr>
+          <a:xfrm>
+            <a:off x="1638087" y="6051349"/>
+            <a:ext cx="207890" cy="198585"/>
+          </a:xfrm>
+          <a:prstGeom prst="ellipse">
+            <a:avLst/>
+          </a:prstGeom>
+          <a:solidFill>
+            <a:srgbClr val="44546A"/>
+          </a:solidFill>
+        </p:spPr>
+        <p:style>
+          <a:lnRef idx="2">
+            <a:schemeClr val="accent1">
+              <a:shade val="50000"/>
+            </a:schemeClr>
+          </a:lnRef>
+          <a:fillRef idx="1">
+            <a:schemeClr val="accent1"/>
+          </a:fillRef>
+          <a:effectRef idx="0">
+            <a:schemeClr val="accent1"/>
+          </a:effectRef>
+          <a:fontRef idx="minor">
+            <a:schemeClr val="lt1"/>
+          </a:fontRef>
+        </p:style>
+        <p:txBody>
+          <a:bodyPr rtlCol="0" anchor="ctr"/>
+          <a:lstStyle/>
+          <a:p>
+            <a:pPr algn="ctr"/>
+            <a:endParaRPr lang="en-US">
+              <a:solidFill>
+                <a:srgbClr val="44546A"/>
+              </a:solidFill>
+            </a:endParaRPr>
+          </a:p>
+        </p:txBody>
+      </p:sp>
     </p:spTree>
     <p:extLst>
       <p:ext uri="{BB962C8B-B14F-4D97-AF65-F5344CB8AC3E}">
@@ -20972,312 +19847,6 @@
       </p:sp>
       <p:sp>
         <p:nvSpPr>
-          <p:cNvPr id="23" name="Freeform 43">
-            <a:extLst>
-              <a:ext uri="{FF2B5EF4-FFF2-40B4-BE49-F238E27FC236}">
-                <a16:creationId xmlns:a16="http://schemas.microsoft.com/office/drawing/2014/main" id="{CDE88189-8375-4B7C-AD75-16986812E101}"/>
-              </a:ext>
-            </a:extLst>
-          </p:cNvPr>
-          <p:cNvSpPr/>
-          <p:nvPr/>
-        </p:nvSpPr>
-        <p:spPr>
-          <a:xfrm>
-            <a:off x="1081348" y="0"/>
-            <a:ext cx="391921" cy="709210"/>
-          </a:xfrm>
-          <a:custGeom>
-            <a:avLst/>
-            <a:gdLst>
-              <a:gd name="connsiteX0" fmla="*/ 235454 w 391921"/>
-              <a:gd name="connsiteY0" fmla="*/ 0 h 709210"/>
-              <a:gd name="connsiteX1" fmla="*/ 335485 w 391921"/>
-              <a:gd name="connsiteY1" fmla="*/ 31051 h 709210"/>
-              <a:gd name="connsiteX2" fmla="*/ 391921 w 391921"/>
-              <a:gd name="connsiteY2" fmla="*/ 36740 h 709210"/>
-              <a:gd name="connsiteX3" fmla="*/ 375538 w 391921"/>
-              <a:gd name="connsiteY3" fmla="*/ 94436 h 709210"/>
-              <a:gd name="connsiteX4" fmla="*/ 166256 w 391921"/>
-              <a:gd name="connsiteY4" fmla="*/ 645240 h 709210"/>
-              <a:gd name="connsiteX5" fmla="*/ 134954 w 391921"/>
-              <a:gd name="connsiteY5" fmla="*/ 709210 h 709210"/>
-              <a:gd name="connsiteX6" fmla="*/ 77663 w 391921"/>
-              <a:gd name="connsiteY6" fmla="*/ 661940 h 709210"/>
-              <a:gd name="connsiteX7" fmla="*/ 0 w 391921"/>
-              <a:gd name="connsiteY7" fmla="*/ 619786 h 709210"/>
-              <a:gd name="connsiteX8" fmla="*/ 19878 w 391921"/>
-              <a:gd name="connsiteY8" fmla="*/ 579163 h 709210"/>
-              <a:gd name="connsiteX9" fmla="*/ 222195 w 391921"/>
-              <a:gd name="connsiteY9" fmla="*/ 46690 h 709210"/>
-            </a:gdLst>
-            <a:ahLst/>
-            <a:cxnLst>
-              <a:cxn ang="0">
-                <a:pos x="connsiteX0" y="connsiteY0"/>
-              </a:cxn>
-              <a:cxn ang="0">
-                <a:pos x="connsiteX1" y="connsiteY1"/>
-              </a:cxn>
-              <a:cxn ang="0">
-                <a:pos x="connsiteX2" y="connsiteY2"/>
-              </a:cxn>
-              <a:cxn ang="0">
-                <a:pos x="connsiteX3" y="connsiteY3"/>
-              </a:cxn>
-              <a:cxn ang="0">
-                <a:pos x="connsiteX4" y="connsiteY4"/>
-              </a:cxn>
-              <a:cxn ang="0">
-                <a:pos x="connsiteX5" y="connsiteY5"/>
-              </a:cxn>
-              <a:cxn ang="0">
-                <a:pos x="connsiteX6" y="connsiteY6"/>
-              </a:cxn>
-              <a:cxn ang="0">
-                <a:pos x="connsiteX7" y="connsiteY7"/>
-              </a:cxn>
-              <a:cxn ang="0">
-                <a:pos x="connsiteX8" y="connsiteY8"/>
-              </a:cxn>
-              <a:cxn ang="0">
-                <a:pos x="connsiteX9" y="connsiteY9"/>
-              </a:cxn>
-            </a:cxnLst>
-            <a:rect l="l" t="t" r="r" b="b"/>
-            <a:pathLst>
-              <a:path w="391921" h="709210">
-                <a:moveTo>
-                  <a:pt x="235454" y="0"/>
-                </a:moveTo>
-                <a:lnTo>
-                  <a:pt x="335485" y="31051"/>
-                </a:lnTo>
-                <a:lnTo>
-                  <a:pt x="391921" y="36740"/>
-                </a:lnTo>
-                <a:lnTo>
-                  <a:pt x="375538" y="94436"/>
-                </a:lnTo>
-                <a:cubicBezTo>
-                  <a:pt x="316803" y="283275"/>
-                  <a:pt x="246779" y="467139"/>
-                  <a:pt x="166256" y="645240"/>
-                </a:cubicBezTo>
-                <a:lnTo>
-                  <a:pt x="134954" y="709210"/>
-                </a:lnTo>
-                <a:lnTo>
-                  <a:pt x="77663" y="661940"/>
-                </a:lnTo>
-                <a:lnTo>
-                  <a:pt x="0" y="619786"/>
-                </a:lnTo>
-                <a:lnTo>
-                  <a:pt x="19878" y="579163"/>
-                </a:lnTo>
-                <a:cubicBezTo>
-                  <a:pt x="97722" y="406989"/>
-                  <a:pt x="165415" y="229244"/>
-                  <a:pt x="222195" y="46690"/>
-                </a:cubicBezTo>
-                <a:close/>
-              </a:path>
-            </a:pathLst>
-          </a:custGeom>
-          <a:solidFill>
-            <a:schemeClr val="tx2"/>
-          </a:solidFill>
-          <a:ln>
-            <a:noFill/>
-          </a:ln>
-        </p:spPr>
-        <p:style>
-          <a:lnRef idx="2">
-            <a:schemeClr val="accent1">
-              <a:shade val="50000"/>
-            </a:schemeClr>
-          </a:lnRef>
-          <a:fillRef idx="1">
-            <a:schemeClr val="accent1"/>
-          </a:fillRef>
-          <a:effectRef idx="0">
-            <a:schemeClr val="accent1"/>
-          </a:effectRef>
-          <a:fontRef idx="minor">
-            <a:schemeClr val="lt1"/>
-          </a:fontRef>
-        </p:style>
-        <p:txBody>
-          <a:bodyPr rtlCol="0" anchor="ctr"/>
-          <a:lstStyle/>
-          <a:p>
-            <a:pPr algn="ctr"/>
-            <a:endParaRPr lang="en-US">
-              <a:solidFill>
-                <a:schemeClr val="tx1"/>
-              </a:solidFill>
-              <a:latin typeface="Calibri Light "/>
-            </a:endParaRPr>
-          </a:p>
-        </p:txBody>
-      </p:sp>
-      <p:sp>
-        <p:nvSpPr>
-          <p:cNvPr id="24" name="Freeform 46">
-            <a:extLst>
-              <a:ext uri="{FF2B5EF4-FFF2-40B4-BE49-F238E27FC236}">
-                <a16:creationId xmlns:a16="http://schemas.microsoft.com/office/drawing/2014/main" id="{45B9CF28-0E66-450D-AFFA-0CF1896BD6B7}"/>
-              </a:ext>
-            </a:extLst>
-          </p:cNvPr>
-          <p:cNvSpPr/>
-          <p:nvPr/>
-        </p:nvSpPr>
-        <p:spPr>
-          <a:xfrm>
-            <a:off x="0" y="1563266"/>
-            <a:ext cx="638189" cy="534751"/>
-          </a:xfrm>
-          <a:custGeom>
-            <a:avLst/>
-            <a:gdLst>
-              <a:gd name="connsiteX0" fmla="*/ 498399 w 638189"/>
-              <a:gd name="connsiteY0" fmla="*/ 0 h 534751"/>
-              <a:gd name="connsiteX1" fmla="*/ 532378 w 638189"/>
-              <a:gd name="connsiteY1" fmla="*/ 28034 h 534751"/>
-              <a:gd name="connsiteX2" fmla="*/ 627567 w 638189"/>
-              <a:gd name="connsiteY2" fmla="*/ 79701 h 534751"/>
-              <a:gd name="connsiteX3" fmla="*/ 638189 w 638189"/>
-              <a:gd name="connsiteY3" fmla="*/ 82999 h 534751"/>
-              <a:gd name="connsiteX4" fmla="*/ 459142 w 638189"/>
-              <a:gd name="connsiteY4" fmla="*/ 297338 h 534751"/>
-              <a:gd name="connsiteX5" fmla="*/ 260713 w 638189"/>
-              <a:gd name="connsiteY5" fmla="*/ 507963 h 534751"/>
-              <a:gd name="connsiteX6" fmla="*/ 232616 w 638189"/>
-              <a:gd name="connsiteY6" fmla="*/ 534751 h 534751"/>
-              <a:gd name="connsiteX7" fmla="*/ 0 w 638189"/>
-              <a:gd name="connsiteY7" fmla="*/ 534751 h 534751"/>
-              <a:gd name="connsiteX8" fmla="*/ 147179 w 638189"/>
-              <a:gd name="connsiteY8" fmla="*/ 394429 h 534751"/>
-              <a:gd name="connsiteX9" fmla="*/ 339004 w 638189"/>
-              <a:gd name="connsiteY9" fmla="*/ 190813 h 534751"/>
-            </a:gdLst>
-            <a:ahLst/>
-            <a:cxnLst>
-              <a:cxn ang="0">
-                <a:pos x="connsiteX0" y="connsiteY0"/>
-              </a:cxn>
-              <a:cxn ang="0">
-                <a:pos x="connsiteX1" y="connsiteY1"/>
-              </a:cxn>
-              <a:cxn ang="0">
-                <a:pos x="connsiteX2" y="connsiteY2"/>
-              </a:cxn>
-              <a:cxn ang="0">
-                <a:pos x="connsiteX3" y="connsiteY3"/>
-              </a:cxn>
-              <a:cxn ang="0">
-                <a:pos x="connsiteX4" y="connsiteY4"/>
-              </a:cxn>
-              <a:cxn ang="0">
-                <a:pos x="connsiteX5" y="connsiteY5"/>
-              </a:cxn>
-              <a:cxn ang="0">
-                <a:pos x="connsiteX6" y="connsiteY6"/>
-              </a:cxn>
-              <a:cxn ang="0">
-                <a:pos x="connsiteX7" y="connsiteY7"/>
-              </a:cxn>
-              <a:cxn ang="0">
-                <a:pos x="connsiteX8" y="connsiteY8"/>
-              </a:cxn>
-              <a:cxn ang="0">
-                <a:pos x="connsiteX9" y="connsiteY9"/>
-              </a:cxn>
-            </a:cxnLst>
-            <a:rect l="l" t="t" r="r" b="b"/>
-            <a:pathLst>
-              <a:path w="638189" h="534751">
-                <a:moveTo>
-                  <a:pt x="498399" y="0"/>
-                </a:moveTo>
-                <a:lnTo>
-                  <a:pt x="532378" y="28034"/>
-                </a:lnTo>
-                <a:cubicBezTo>
-                  <a:pt x="562190" y="48175"/>
-                  <a:pt x="594045" y="65523"/>
-                  <a:pt x="627567" y="79701"/>
-                </a:cubicBezTo>
-                <a:lnTo>
-                  <a:pt x="638189" y="82999"/>
-                </a:lnTo>
-                <a:lnTo>
-                  <a:pt x="459142" y="297338"/>
-                </a:lnTo>
-                <a:cubicBezTo>
-                  <a:pt x="395098" y="369513"/>
-                  <a:pt x="328922" y="439755"/>
-                  <a:pt x="260713" y="507963"/>
-                </a:cubicBezTo>
-                <a:lnTo>
-                  <a:pt x="232616" y="534751"/>
-                </a:lnTo>
-                <a:lnTo>
-                  <a:pt x="0" y="534751"/>
-                </a:lnTo>
-                <a:lnTo>
-                  <a:pt x="147179" y="394429"/>
-                </a:lnTo>
-                <a:cubicBezTo>
-                  <a:pt x="213118" y="328491"/>
-                  <a:pt x="277091" y="260587"/>
-                  <a:pt x="339004" y="190813"/>
-                </a:cubicBezTo>
-                <a:close/>
-              </a:path>
-            </a:pathLst>
-          </a:custGeom>
-          <a:solidFill>
-            <a:schemeClr val="tx2"/>
-          </a:solidFill>
-          <a:ln>
-            <a:noFill/>
-          </a:ln>
-        </p:spPr>
-        <p:style>
-          <a:lnRef idx="2">
-            <a:schemeClr val="accent1">
-              <a:shade val="50000"/>
-            </a:schemeClr>
-          </a:lnRef>
-          <a:fillRef idx="1">
-            <a:schemeClr val="accent1"/>
-          </a:fillRef>
-          <a:effectRef idx="0">
-            <a:schemeClr val="accent1"/>
-          </a:effectRef>
-          <a:fontRef idx="minor">
-            <a:schemeClr val="lt1"/>
-          </a:fontRef>
-        </p:style>
-        <p:txBody>
-          <a:bodyPr rtlCol="0" anchor="ctr"/>
-          <a:lstStyle/>
-          <a:p>
-            <a:pPr algn="ctr"/>
-            <a:endParaRPr lang="en-US">
-              <a:solidFill>
-                <a:schemeClr val="tx1"/>
-              </a:solidFill>
-              <a:latin typeface="Calibri Light "/>
-            </a:endParaRPr>
-          </a:p>
-        </p:txBody>
-      </p:sp>
-      <p:sp>
-        <p:nvSpPr>
           <p:cNvPr id="25" name="Oval 24">
             <a:extLst>
               <a:ext uri="{FF2B5EF4-FFF2-40B4-BE49-F238E27FC236}">
@@ -21290,7 +19859,7 @@
         </p:nvSpPr>
         <p:spPr>
           <a:xfrm>
-            <a:off x="161618" y="442543"/>
+            <a:off x="241300" y="381842"/>
             <a:ext cx="1368152" cy="1368152"/>
           </a:xfrm>
           <a:prstGeom prst="ellipse">
@@ -21347,7 +19916,7 @@
         </p:nvSpPr>
         <p:spPr>
           <a:xfrm>
-            <a:off x="1672958" y="614011"/>
+            <a:off x="1677522" y="760102"/>
             <a:ext cx="4493089" cy="461665"/>
           </a:xfrm>
           <a:prstGeom prst="rect">
@@ -21370,7 +19939,7 @@
                 <a:ea typeface="Open Sans" panose="020B0606030504020204" pitchFamily="34" charset="0"/>
                 <a:cs typeface="Open Sans" panose="020B0606030504020204" pitchFamily="34" charset="0"/>
               </a:rPr>
-              <a:t>09 – ALTERNANZA SCUOLA LAVORO</a:t>
+              <a:t>08 – ALTERNANZA SCUOLA LAVORO</a:t>
             </a:r>
           </a:p>
         </p:txBody>
@@ -21389,7 +19958,7 @@
         </p:nvSpPr>
         <p:spPr>
           <a:xfrm>
-            <a:off x="333086" y="614011"/>
+            <a:off x="412768" y="553310"/>
             <a:ext cx="1025215" cy="1025215"/>
           </a:xfrm>
           <a:prstGeom prst="ellipse">
@@ -21432,6 +20001,112 @@
               </a:rPr>
               <a:t>ALT</a:t>
             </a:r>
+          </a:p>
+        </p:txBody>
+      </p:sp>
+      <p:sp>
+        <p:nvSpPr>
+          <p:cNvPr id="22" name="Oval 21">
+            <a:extLst>
+              <a:ext uri="{FF2B5EF4-FFF2-40B4-BE49-F238E27FC236}">
+                <a16:creationId xmlns:a16="http://schemas.microsoft.com/office/drawing/2014/main" id="{0C6EEFFE-6135-4805-958B-A3008D6D4972}"/>
+              </a:ext>
+            </a:extLst>
+          </p:cNvPr>
+          <p:cNvSpPr/>
+          <p:nvPr/>
+        </p:nvSpPr>
+        <p:spPr>
+          <a:xfrm>
+            <a:off x="1321880" y="137258"/>
+            <a:ext cx="207890" cy="198585"/>
+          </a:xfrm>
+          <a:prstGeom prst="ellipse">
+            <a:avLst/>
+          </a:prstGeom>
+          <a:solidFill>
+            <a:srgbClr val="44546A"/>
+          </a:solidFill>
+        </p:spPr>
+        <p:style>
+          <a:lnRef idx="2">
+            <a:schemeClr val="accent1">
+              <a:shade val="50000"/>
+            </a:schemeClr>
+          </a:lnRef>
+          <a:fillRef idx="1">
+            <a:schemeClr val="accent1"/>
+          </a:fillRef>
+          <a:effectRef idx="0">
+            <a:schemeClr val="accent1"/>
+          </a:effectRef>
+          <a:fontRef idx="minor">
+            <a:schemeClr val="lt1"/>
+          </a:fontRef>
+        </p:style>
+        <p:txBody>
+          <a:bodyPr rtlCol="0" anchor="ctr"/>
+          <a:lstStyle/>
+          <a:p>
+            <a:pPr algn="ctr"/>
+            <a:endParaRPr lang="en-US">
+              <a:solidFill>
+                <a:srgbClr val="44546A"/>
+              </a:solidFill>
+            </a:endParaRPr>
+          </a:p>
+        </p:txBody>
+      </p:sp>
+      <p:sp>
+        <p:nvSpPr>
+          <p:cNvPr id="26" name="Oval 25">
+            <a:extLst>
+              <a:ext uri="{FF2B5EF4-FFF2-40B4-BE49-F238E27FC236}">
+                <a16:creationId xmlns:a16="http://schemas.microsoft.com/office/drawing/2014/main" id="{1748542F-8D13-4DAC-84E3-4741238C9790}"/>
+              </a:ext>
+            </a:extLst>
+          </p:cNvPr>
+          <p:cNvSpPr/>
+          <p:nvPr/>
+        </p:nvSpPr>
+        <p:spPr>
+          <a:xfrm>
+            <a:off x="137355" y="1675362"/>
+            <a:ext cx="207890" cy="198585"/>
+          </a:xfrm>
+          <a:prstGeom prst="ellipse">
+            <a:avLst/>
+          </a:prstGeom>
+          <a:solidFill>
+            <a:srgbClr val="44546A"/>
+          </a:solidFill>
+        </p:spPr>
+        <p:style>
+          <a:lnRef idx="2">
+            <a:schemeClr val="accent1">
+              <a:shade val="50000"/>
+            </a:schemeClr>
+          </a:lnRef>
+          <a:fillRef idx="1">
+            <a:schemeClr val="accent1"/>
+          </a:fillRef>
+          <a:effectRef idx="0">
+            <a:schemeClr val="accent1"/>
+          </a:effectRef>
+          <a:fontRef idx="minor">
+            <a:schemeClr val="lt1"/>
+          </a:fontRef>
+        </p:style>
+        <p:txBody>
+          <a:bodyPr rtlCol="0" anchor="ctr"/>
+          <a:lstStyle/>
+          <a:p>
+            <a:pPr algn="ctr"/>
+            <a:endParaRPr lang="en-US">
+              <a:solidFill>
+                <a:srgbClr val="44546A"/>
+              </a:solidFill>
+            </a:endParaRPr>
           </a:p>
         </p:txBody>
       </p:sp>
